--- a/sections/ringer/figures/reco_steps/ring_em1_mask.pptx
+++ b/sections/ringer/figures/reco_steps/ring_em1_mask.pptx
@@ -104,6 +104,11 @@
       </a:defRPr>
     </a:lvl9pPr>
   </p:defaultTextStyle>
+  <p:extLst>
+    <p:ext uri="{EFAFB233-063F-42B5-8137-9DF3F51BA10A}">
+      <p15:sldGuideLst xmlns:p15="http://schemas.microsoft.com/office/powerpoint/2012/main"/>
+    </p:ext>
+  </p:extLst>
 </p:presentation>
 </file>
 
@@ -238,7 +243,7 @@
           <a:p>
             <a:fld id="{56AB8FB9-29CA-E243-85B6-54BE36F18083}" type="datetimeFigureOut">
               <a:rPr lang="en-BR" smtClean="0"/>
-              <a:t>07/01/21</a:t>
+              <a:t>22/04/23</a:t>
             </a:fld>
             <a:endParaRPr lang="en-BR"/>
           </a:p>
@@ -408,7 +413,7 @@
           <a:p>
             <a:fld id="{56AB8FB9-29CA-E243-85B6-54BE36F18083}" type="datetimeFigureOut">
               <a:rPr lang="en-BR" smtClean="0"/>
-              <a:t>07/01/21</a:t>
+              <a:t>22/04/23</a:t>
             </a:fld>
             <a:endParaRPr lang="en-BR"/>
           </a:p>
@@ -588,7 +593,7 @@
           <a:p>
             <a:fld id="{56AB8FB9-29CA-E243-85B6-54BE36F18083}" type="datetimeFigureOut">
               <a:rPr lang="en-BR" smtClean="0"/>
-              <a:t>07/01/21</a:t>
+              <a:t>22/04/23</a:t>
             </a:fld>
             <a:endParaRPr lang="en-BR"/>
           </a:p>
@@ -758,7 +763,7 @@
           <a:p>
             <a:fld id="{56AB8FB9-29CA-E243-85B6-54BE36F18083}" type="datetimeFigureOut">
               <a:rPr lang="en-BR" smtClean="0"/>
-              <a:t>07/01/21</a:t>
+              <a:t>22/04/23</a:t>
             </a:fld>
             <a:endParaRPr lang="en-BR"/>
           </a:p>
@@ -1002,7 +1007,7 @@
           <a:p>
             <a:fld id="{56AB8FB9-29CA-E243-85B6-54BE36F18083}" type="datetimeFigureOut">
               <a:rPr lang="en-BR" smtClean="0"/>
-              <a:t>07/01/21</a:t>
+              <a:t>22/04/23</a:t>
             </a:fld>
             <a:endParaRPr lang="en-BR"/>
           </a:p>
@@ -1234,7 +1239,7 @@
           <a:p>
             <a:fld id="{56AB8FB9-29CA-E243-85B6-54BE36F18083}" type="datetimeFigureOut">
               <a:rPr lang="en-BR" smtClean="0"/>
-              <a:t>07/01/21</a:t>
+              <a:t>22/04/23</a:t>
             </a:fld>
             <a:endParaRPr lang="en-BR"/>
           </a:p>
@@ -1601,7 +1606,7 @@
           <a:p>
             <a:fld id="{56AB8FB9-29CA-E243-85B6-54BE36F18083}" type="datetimeFigureOut">
               <a:rPr lang="en-BR" smtClean="0"/>
-              <a:t>07/01/21</a:t>
+              <a:t>22/04/23</a:t>
             </a:fld>
             <a:endParaRPr lang="en-BR"/>
           </a:p>
@@ -1719,7 +1724,7 @@
           <a:p>
             <a:fld id="{56AB8FB9-29CA-E243-85B6-54BE36F18083}" type="datetimeFigureOut">
               <a:rPr lang="en-BR" smtClean="0"/>
-              <a:t>07/01/21</a:t>
+              <a:t>22/04/23</a:t>
             </a:fld>
             <a:endParaRPr lang="en-BR"/>
           </a:p>
@@ -1814,7 +1819,7 @@
           <a:p>
             <a:fld id="{56AB8FB9-29CA-E243-85B6-54BE36F18083}" type="datetimeFigureOut">
               <a:rPr lang="en-BR" smtClean="0"/>
-              <a:t>07/01/21</a:t>
+              <a:t>22/04/23</a:t>
             </a:fld>
             <a:endParaRPr lang="en-BR"/>
           </a:p>
@@ -2091,7 +2096,7 @@
           <a:p>
             <a:fld id="{56AB8FB9-29CA-E243-85B6-54BE36F18083}" type="datetimeFigureOut">
               <a:rPr lang="en-BR" smtClean="0"/>
-              <a:t>07/01/21</a:t>
+              <a:t>22/04/23</a:t>
             </a:fld>
             <a:endParaRPr lang="en-BR"/>
           </a:p>
@@ -2348,7 +2353,7 @@
           <a:p>
             <a:fld id="{56AB8FB9-29CA-E243-85B6-54BE36F18083}" type="datetimeFigureOut">
               <a:rPr lang="en-BR" smtClean="0"/>
-              <a:t>07/01/21</a:t>
+              <a:t>22/04/23</a:t>
             </a:fld>
             <a:endParaRPr lang="en-BR"/>
           </a:p>
@@ -2561,7 +2566,7 @@
           <a:p>
             <a:fld id="{56AB8FB9-29CA-E243-85B6-54BE36F18083}" type="datetimeFigureOut">
               <a:rPr lang="en-BR" smtClean="0"/>
-              <a:t>07/01/21</a:t>
+              <a:t>22/04/23</a:t>
             </a:fld>
             <a:endParaRPr lang="en-BR"/>
           </a:p>
@@ -6719,7 +6724,7 @@
         <p:spPr>
           <a:xfrm>
             <a:off x="2772222" y="-57321"/>
-            <a:ext cx="426720" cy="369332"/>
+            <a:ext cx="574196" cy="369332"/>
           </a:xfrm>
           <a:prstGeom prst="rect">
             <a:avLst/>
@@ -6742,7 +6747,7 @@
               <a:rPr lang="en-BR" baseline="-25000" dirty="0">
                 <a:latin typeface="Avenir Light" panose="020B0402020203020204" pitchFamily="34" charset="77"/>
               </a:rPr>
-              <a:t>a</a:t>
+              <a:t>hot</a:t>
             </a:r>
             <a:endParaRPr lang="en-BR" dirty="0">
               <a:latin typeface="Avenir Light" panose="020B0402020203020204" pitchFamily="34" charset="77"/>
